--- a/Small_project_presentation.pptx
+++ b/Small_project_presentation.pptx
@@ -3700,7 +3700,7 @@
         </p:blipFill>
         <p:spPr>
           <a:xfrm>
-            <a:off x="3638550" y="2647950"/>
+            <a:off x="3556801" y="2676525"/>
             <a:ext cx="4914900" cy="2952750"/>
           </a:xfrm>
           <a:prstGeom prst="rect">
@@ -4068,7 +4068,7 @@
             </a:pPr>
             <a:r>
               <a:rPr lang="en-US" dirty="0"/>
-              <a:t>Text editor – Atom</a:t>
+              <a:t>Front end – Atom, Bootstrap</a:t>
             </a:r>
           </a:p>
           <a:p>
@@ -4122,7 +4122,7 @@
             </a:pPr>
             <a:r>
               <a:rPr lang="en-US" dirty="0"/>
-              <a:t>		   Bootstrap, </a:t>
+              <a:t>		   </a:t>
             </a:r>
             <a:r>
               <a:rPr lang="en-US" dirty="0" err="1"/>
